--- a/学习路线图.pptx
+++ b/学习路线图.pptx
@@ -6,6 +6,7 @@
   </p:sldMasterIdLst>
   <p:sldIdLst>
     <p:sldId id="256" r:id="rId3"/>
+    <p:sldId id="257" r:id="rId4"/>
   </p:sldIdLst>
   <p:sldSz cx="12192000" cy="6858000"/>
   <p:notesSz cx="6858000" cy="9144000"/>
@@ -3180,6 +3181,253 @@
 </p:sld>
 </file>
 
+<file path=ppt/slides/slide2.xml><?xml version="1.0" encoding="utf-8"?>
+<p:sld xmlns:a="http://schemas.openxmlformats.org/drawingml/2006/main" xmlns:r="http://schemas.openxmlformats.org/officeDocument/2006/relationships" xmlns:p="http://schemas.openxmlformats.org/presentationml/2006/main">
+  <p:cSld>
+    <p:spTree>
+      <p:nvGrpSpPr>
+        <p:cNvPr id="1" name=""/>
+        <p:cNvGrpSpPr/>
+        <p:nvPr/>
+      </p:nvGrpSpPr>
+      <p:grpSpPr/>
+      <p:sp>
+        <p:nvSpPr>
+          <p:cNvPr id="8" name="圆角矩形 7"/>
+          <p:cNvSpPr/>
+          <p:nvPr/>
+        </p:nvSpPr>
+        <p:spPr>
+          <a:xfrm>
+            <a:off x="980440" y="132080"/>
+            <a:ext cx="10744200" cy="6684010"/>
+          </a:xfrm>
+          <a:prstGeom prst="roundRect">
+            <a:avLst/>
+          </a:prstGeom>
+        </p:spPr>
+        <p:style>
+          <a:lnRef idx="1">
+            <a:schemeClr val="accent6"/>
+          </a:lnRef>
+          <a:fillRef idx="2">
+            <a:schemeClr val="accent6"/>
+          </a:fillRef>
+          <a:effectRef idx="1">
+            <a:schemeClr val="accent6"/>
+          </a:effectRef>
+          <a:fontRef idx="minor">
+            <a:schemeClr val="dk1"/>
+          </a:fontRef>
+        </p:style>
+        <p:txBody>
+          <a:bodyPr rtlCol="0" anchor="t" anchorCtr="0"/>
+          <a:p>
+            <a:pPr algn="ctr"/>
+            <a:r>
+              <a:rPr lang="en-US" altLang="zh-CN"/>
+              <a:t>JVM</a:t>
+            </a:r>
+            <a:r>
+              <a:rPr lang="zh-CN" altLang="en-US"/>
+              <a:t>优化</a:t>
+            </a:r>
+            <a:endParaRPr lang="zh-CN" altLang="en-US"/>
+          </a:p>
+        </p:txBody>
+      </p:sp>
+      <p:sp>
+        <p:nvSpPr>
+          <p:cNvPr id="2" name="矩形 1"/>
+          <p:cNvSpPr/>
+          <p:nvPr/>
+        </p:nvSpPr>
+        <p:spPr>
+          <a:xfrm>
+            <a:off x="1826895" y="882650"/>
+            <a:ext cx="2795905" cy="3129280"/>
+          </a:xfrm>
+          <a:prstGeom prst="rect">
+            <a:avLst/>
+          </a:prstGeom>
+        </p:spPr>
+        <p:style>
+          <a:lnRef idx="2">
+            <a:schemeClr val="accent1">
+              <a:shade val="50000"/>
+            </a:schemeClr>
+          </a:lnRef>
+          <a:fillRef idx="1">
+            <a:schemeClr val="accent1"/>
+          </a:fillRef>
+          <a:effectRef idx="0">
+            <a:schemeClr val="accent1"/>
+          </a:effectRef>
+          <a:fontRef idx="minor">
+            <a:schemeClr val="lt1"/>
+          </a:fontRef>
+        </p:style>
+        <p:txBody>
+          <a:bodyPr rtlCol="0" anchor="t" anchorCtr="0"/>
+          <a:p>
+            <a:pPr algn="ctr"/>
+            <a:r>
+              <a:rPr lang="en-US" altLang="zh-CN"/>
+              <a:t>.java</a:t>
+            </a:r>
+            <a:endParaRPr lang="en-US" altLang="zh-CN"/>
+          </a:p>
+        </p:txBody>
+      </p:sp>
+      <p:sp>
+        <p:nvSpPr>
+          <p:cNvPr id="3" name="矩形 2"/>
+          <p:cNvSpPr/>
+          <p:nvPr/>
+        </p:nvSpPr>
+        <p:spPr>
+          <a:xfrm>
+            <a:off x="4699000" y="882650"/>
+            <a:ext cx="5942965" cy="3129280"/>
+          </a:xfrm>
+          <a:prstGeom prst="rect">
+            <a:avLst/>
+          </a:prstGeom>
+        </p:spPr>
+        <p:style>
+          <a:lnRef idx="2">
+            <a:schemeClr val="accent1">
+              <a:shade val="50000"/>
+            </a:schemeClr>
+          </a:lnRef>
+          <a:fillRef idx="1">
+            <a:schemeClr val="accent1"/>
+          </a:fillRef>
+          <a:effectRef idx="0">
+            <a:schemeClr val="accent1"/>
+          </a:effectRef>
+          <a:fontRef idx="minor">
+            <a:schemeClr val="lt1"/>
+          </a:fontRef>
+        </p:style>
+        <p:txBody>
+          <a:bodyPr rtlCol="0" anchor="t" anchorCtr="0"/>
+          <a:p>
+            <a:pPr algn="ctr"/>
+            <a:r>
+              <a:rPr lang="en-US" altLang="zh-CN"/>
+              <a:t>jvm</a:t>
+            </a:r>
+            <a:r>
+              <a:rPr lang="zh-CN" altLang="en-US"/>
+              <a:t>运行时</a:t>
+            </a:r>
+            <a:endParaRPr lang="zh-CN" altLang="en-US"/>
+          </a:p>
+        </p:txBody>
+      </p:sp>
+      <p:sp>
+        <p:nvSpPr>
+          <p:cNvPr id="4" name="矩形 3"/>
+          <p:cNvSpPr/>
+          <p:nvPr/>
+        </p:nvSpPr>
+        <p:spPr>
+          <a:xfrm>
+            <a:off x="1826895" y="4077970"/>
+            <a:ext cx="8815070" cy="1036955"/>
+          </a:xfrm>
+          <a:prstGeom prst="rect">
+            <a:avLst/>
+          </a:prstGeom>
+        </p:spPr>
+        <p:style>
+          <a:lnRef idx="2">
+            <a:schemeClr val="accent1">
+              <a:shade val="50000"/>
+            </a:schemeClr>
+          </a:lnRef>
+          <a:fillRef idx="1">
+            <a:schemeClr val="accent1"/>
+          </a:fillRef>
+          <a:effectRef idx="0">
+            <a:schemeClr val="accent1"/>
+          </a:effectRef>
+          <a:fontRef idx="minor">
+            <a:schemeClr val="lt1"/>
+          </a:fontRef>
+        </p:style>
+        <p:txBody>
+          <a:bodyPr rtlCol="0" anchor="t" anchorCtr="0"/>
+          <a:p>
+            <a:pPr algn="ctr"/>
+            <a:r>
+              <a:rPr lang="en-US" altLang="zh-CN"/>
+              <a:t>jvm</a:t>
+            </a:r>
+            <a:r>
+              <a:rPr lang="zh-CN" altLang="en-US"/>
+              <a:t>监控</a:t>
+            </a:r>
+            <a:endParaRPr lang="zh-CN" altLang="en-US"/>
+          </a:p>
+        </p:txBody>
+      </p:sp>
+      <p:sp>
+        <p:nvSpPr>
+          <p:cNvPr id="5" name="矩形 4"/>
+          <p:cNvSpPr/>
+          <p:nvPr/>
+        </p:nvSpPr>
+        <p:spPr>
+          <a:xfrm>
+            <a:off x="1826260" y="5180965"/>
+            <a:ext cx="8815705" cy="1322705"/>
+          </a:xfrm>
+          <a:prstGeom prst="rect">
+            <a:avLst/>
+          </a:prstGeom>
+        </p:spPr>
+        <p:style>
+          <a:lnRef idx="2">
+            <a:schemeClr val="accent1">
+              <a:shade val="50000"/>
+            </a:schemeClr>
+          </a:lnRef>
+          <a:fillRef idx="1">
+            <a:schemeClr val="accent1"/>
+          </a:fillRef>
+          <a:effectRef idx="0">
+            <a:schemeClr val="accent1"/>
+          </a:effectRef>
+          <a:fontRef idx="minor">
+            <a:schemeClr val="lt1"/>
+          </a:fontRef>
+        </p:style>
+        <p:txBody>
+          <a:bodyPr rtlCol="0" anchor="t" anchorCtr="0"/>
+          <a:p>
+            <a:pPr algn="ctr"/>
+            <a:r>
+              <a:rPr lang="en-US" altLang="zh-CN"/>
+              <a:t>jvm</a:t>
+            </a:r>
+            <a:r>
+              <a:rPr lang="zh-CN" altLang="en-US"/>
+              <a:t>优化</a:t>
+            </a:r>
+            <a:endParaRPr lang="zh-CN" altLang="en-US"/>
+          </a:p>
+        </p:txBody>
+      </p:sp>
+    </p:spTree>
+  </p:cSld>
+  <p:clrMapOvr>
+    <a:masterClrMapping/>
+  </p:clrMapOvr>
+</p:sld>
+</file>
+
 <file path=ppt/theme/theme1.xml><?xml version="1.0" encoding="utf-8"?>
 <a:theme xmlns:a="http://schemas.openxmlformats.org/drawingml/2006/main" name="Office 主题">
   <a:themeElements>
